--- a/Rmedicine_title_screen.pptx
+++ b/Rmedicine_title_screen.pptx
@@ -261,7 +261,7 @@
           <a:p>
             <a:fld id="{9726034E-F66E-42B4-976D-B2BF71A1519F}" type="datetimeFigureOut">
               <a:rPr lang="en-CA" smtClean="0"/>
-              <a:t>19-Aug-2022</a:t>
+              <a:t>22-Aug-2022</a:t>
             </a:fld>
             <a:endParaRPr lang="en-CA"/>
           </a:p>
@@ -461,7 +461,7 @@
           <a:p>
             <a:fld id="{9726034E-F66E-42B4-976D-B2BF71A1519F}" type="datetimeFigureOut">
               <a:rPr lang="en-CA" smtClean="0"/>
-              <a:t>19-Aug-2022</a:t>
+              <a:t>22-Aug-2022</a:t>
             </a:fld>
             <a:endParaRPr lang="en-CA"/>
           </a:p>
@@ -671,7 +671,7 @@
           <a:p>
             <a:fld id="{9726034E-F66E-42B4-976D-B2BF71A1519F}" type="datetimeFigureOut">
               <a:rPr lang="en-CA" smtClean="0"/>
-              <a:t>19-Aug-2022</a:t>
+              <a:t>22-Aug-2022</a:t>
             </a:fld>
             <a:endParaRPr lang="en-CA"/>
           </a:p>
@@ -871,7 +871,7 @@
           <a:p>
             <a:fld id="{9726034E-F66E-42B4-976D-B2BF71A1519F}" type="datetimeFigureOut">
               <a:rPr lang="en-CA" smtClean="0"/>
-              <a:t>19-Aug-2022</a:t>
+              <a:t>22-Aug-2022</a:t>
             </a:fld>
             <a:endParaRPr lang="en-CA"/>
           </a:p>
@@ -1147,7 +1147,7 @@
           <a:p>
             <a:fld id="{9726034E-F66E-42B4-976D-B2BF71A1519F}" type="datetimeFigureOut">
               <a:rPr lang="en-CA" smtClean="0"/>
-              <a:t>19-Aug-2022</a:t>
+              <a:t>22-Aug-2022</a:t>
             </a:fld>
             <a:endParaRPr lang="en-CA"/>
           </a:p>
@@ -1415,7 +1415,7 @@
           <a:p>
             <a:fld id="{9726034E-F66E-42B4-976D-B2BF71A1519F}" type="datetimeFigureOut">
               <a:rPr lang="en-CA" smtClean="0"/>
-              <a:t>19-Aug-2022</a:t>
+              <a:t>22-Aug-2022</a:t>
             </a:fld>
             <a:endParaRPr lang="en-CA"/>
           </a:p>
@@ -1830,7 +1830,7 @@
           <a:p>
             <a:fld id="{9726034E-F66E-42B4-976D-B2BF71A1519F}" type="datetimeFigureOut">
               <a:rPr lang="en-CA" smtClean="0"/>
-              <a:t>19-Aug-2022</a:t>
+              <a:t>22-Aug-2022</a:t>
             </a:fld>
             <a:endParaRPr lang="en-CA"/>
           </a:p>
@@ -1972,7 +1972,7 @@
           <a:p>
             <a:fld id="{9726034E-F66E-42B4-976D-B2BF71A1519F}" type="datetimeFigureOut">
               <a:rPr lang="en-CA" smtClean="0"/>
-              <a:t>19-Aug-2022</a:t>
+              <a:t>22-Aug-2022</a:t>
             </a:fld>
             <a:endParaRPr lang="en-CA"/>
           </a:p>
@@ -2085,7 +2085,7 @@
           <a:p>
             <a:fld id="{9726034E-F66E-42B4-976D-B2BF71A1519F}" type="datetimeFigureOut">
               <a:rPr lang="en-CA" smtClean="0"/>
-              <a:t>19-Aug-2022</a:t>
+              <a:t>22-Aug-2022</a:t>
             </a:fld>
             <a:endParaRPr lang="en-CA"/>
           </a:p>
@@ -2398,7 +2398,7 @@
           <a:p>
             <a:fld id="{9726034E-F66E-42B4-976D-B2BF71A1519F}" type="datetimeFigureOut">
               <a:rPr lang="en-CA" smtClean="0"/>
-              <a:t>19-Aug-2022</a:t>
+              <a:t>22-Aug-2022</a:t>
             </a:fld>
             <a:endParaRPr lang="en-CA"/>
           </a:p>
@@ -2687,7 +2687,7 @@
           <a:p>
             <a:fld id="{9726034E-F66E-42B4-976D-B2BF71A1519F}" type="datetimeFigureOut">
               <a:rPr lang="en-CA" smtClean="0"/>
-              <a:t>19-Aug-2022</a:t>
+              <a:t>22-Aug-2022</a:t>
             </a:fld>
             <a:endParaRPr lang="en-CA"/>
           </a:p>
@@ -2930,7 +2930,7 @@
           <a:p>
             <a:fld id="{9726034E-F66E-42B4-976D-B2BF71A1519F}" type="datetimeFigureOut">
               <a:rPr lang="en-CA" smtClean="0"/>
-              <a:t>19-Aug-2022</a:t>
+              <a:t>22-Aug-2022</a:t>
             </a:fld>
             <a:endParaRPr lang="en-CA"/>
           </a:p>
@@ -3421,14 +3421,12 @@
             <a:r>
               <a:rPr lang="en-US" sz="5400" b="1">
                 <a:ln w="12700">
-                  <a:solidFill>
-                    <a:schemeClr val="accent6">
-                      <a:lumMod val="50000"/>
-                    </a:schemeClr>
-                  </a:solidFill>
+                  <a:noFill/>
                 </a:ln>
                 <a:solidFill>
-                  <a:srgbClr val="151515"/>
+                  <a:schemeClr val="accent1">
+                    <a:lumMod val="50000"/>
+                  </a:schemeClr>
                 </a:solidFill>
                 <a:latin typeface="Calisto MT" panose="02040603050505030304" pitchFamily="18" charset="0"/>
               </a:rPr>
@@ -3440,14 +3438,12 @@
             <a:r>
               <a:rPr lang="en-US" sz="5400" b="1">
                 <a:ln w="12700">
-                  <a:solidFill>
-                    <a:schemeClr val="accent6">
-                      <a:lumMod val="50000"/>
-                    </a:schemeClr>
-                  </a:solidFill>
+                  <a:noFill/>
                 </a:ln>
                 <a:solidFill>
-                  <a:srgbClr val="151515"/>
+                  <a:schemeClr val="accent1">
+                    <a:lumMod val="50000"/>
+                  </a:schemeClr>
                 </a:solidFill>
                 <a:latin typeface="Calisto MT" panose="02040603050505030304" pitchFamily="18" charset="0"/>
               </a:rPr>
@@ -3459,14 +3455,12 @@
             <a:r>
               <a:rPr lang="en-US" sz="5400" b="1">
                 <a:ln w="12700">
-                  <a:solidFill>
-                    <a:schemeClr val="accent6">
-                      <a:lumMod val="50000"/>
-                    </a:schemeClr>
-                  </a:solidFill>
+                  <a:noFill/>
                 </a:ln>
                 <a:solidFill>
-                  <a:srgbClr val="151515"/>
+                  <a:schemeClr val="accent1">
+                    <a:lumMod val="50000"/>
+                  </a:schemeClr>
                 </a:solidFill>
                 <a:latin typeface="Calisto MT" panose="02040603050505030304" pitchFamily="18" charset="0"/>
               </a:rPr>
@@ -3475,14 +3469,12 @@
             <a:r>
               <a:rPr lang="en-US" sz="5400" b="1">
                 <a:ln w="12700">
-                  <a:solidFill>
-                    <a:schemeClr val="accent6">
-                      <a:lumMod val="50000"/>
-                    </a:schemeClr>
-                  </a:solidFill>
+                  <a:noFill/>
                 </a:ln>
                 <a:solidFill>
-                  <a:srgbClr val="151515"/>
+                  <a:schemeClr val="accent1">
+                    <a:lumMod val="50000"/>
+                  </a:schemeClr>
                 </a:solidFill>
               </a:rPr>
               <a:t>vtree</a:t>
@@ -3490,14 +3482,12 @@
             <a:r>
               <a:rPr lang="en-US" sz="5400" b="1">
                 <a:ln w="12700">
-                  <a:solidFill>
-                    <a:schemeClr val="accent6">
-                      <a:lumMod val="50000"/>
-                    </a:schemeClr>
-                  </a:solidFill>
+                  <a:noFill/>
                 </a:ln>
                 <a:solidFill>
-                  <a:srgbClr val="151515"/>
+                  <a:schemeClr val="accent1">
+                    <a:lumMod val="50000"/>
+                  </a:schemeClr>
                 </a:solidFill>
                 <a:latin typeface="Calisto MT" panose="02040603050505030304" pitchFamily="18" charset="0"/>
               </a:rPr>
@@ -3547,14 +3537,12 @@
             <a:r>
               <a:rPr lang="en-US" sz="3600">
                 <a:ln w="12700">
-                  <a:solidFill>
-                    <a:schemeClr val="accent6">
-                      <a:lumMod val="50000"/>
-                    </a:schemeClr>
-                  </a:solidFill>
+                  <a:noFill/>
                 </a:ln>
                 <a:solidFill>
-                  <a:srgbClr val="151515"/>
+                  <a:schemeClr val="accent1">
+                    <a:lumMod val="50000"/>
+                  </a:schemeClr>
                 </a:solidFill>
                 <a:latin typeface="Calisto MT" panose="02040603050505030304" pitchFamily="18" charset="0"/>
               </a:rPr>
@@ -3566,14 +3554,12 @@
             <a:r>
               <a:rPr lang="en-US" sz="3600">
                 <a:ln w="12700">
-                  <a:solidFill>
-                    <a:schemeClr val="accent6">
-                      <a:lumMod val="50000"/>
-                    </a:schemeClr>
-                  </a:solidFill>
+                  <a:noFill/>
                 </a:ln>
                 <a:solidFill>
-                  <a:srgbClr val="151515"/>
+                  <a:schemeClr val="accent1">
+                    <a:lumMod val="50000"/>
+                  </a:schemeClr>
                 </a:solidFill>
                 <a:latin typeface="Calisto MT" panose="02040603050505030304" pitchFamily="18" charset="0"/>
               </a:rPr>
@@ -3581,14 +3567,12 @@
             </a:r>
             <a:endParaRPr lang="en-CA" sz="3600">
               <a:ln w="12700">
-                <a:solidFill>
-                  <a:schemeClr val="accent6">
-                    <a:lumMod val="50000"/>
-                  </a:schemeClr>
-                </a:solidFill>
+                <a:noFill/>
               </a:ln>
               <a:solidFill>
-                <a:srgbClr val="151515"/>
+                <a:schemeClr val="accent1">
+                  <a:lumMod val="50000"/>
+                </a:schemeClr>
               </a:solidFill>
               <a:latin typeface="Calisto MT" panose="02040603050505030304" pitchFamily="18" charset="0"/>
             </a:endParaRPr>

--- a/Rmedicine_title_screen.pptx
+++ b/Rmedicine_title_screen.pptx
@@ -3397,7 +3397,7 @@
         </p:nvSpPr>
         <p:spPr>
           <a:xfrm>
-            <a:off x="1546552" y="911553"/>
+            <a:off x="1546552" y="826883"/>
             <a:ext cx="9088795" cy="2860358"/>
           </a:xfrm>
           <a:prstGeom prst="flowChartAlternateProcess">
@@ -3510,8 +3510,8 @@
         </p:nvSpPr>
         <p:spPr>
           <a:xfrm>
-            <a:off x="3166782" y="4618424"/>
-            <a:ext cx="5848334" cy="1328023"/>
+            <a:off x="3169105" y="4200599"/>
+            <a:ext cx="5965676" cy="1872853"/>
           </a:xfrm>
           <a:prstGeom prst="flowChartAlternateProcess">
             <a:avLst/>
@@ -3535,7 +3535,7 @@
           <a:p>
             <a:pPr algn="ctr"/>
             <a:r>
-              <a:rPr lang="en-US" sz="3600">
+              <a:rPr lang="en-US" sz="2800">
                 <a:ln w="12700">
                   <a:noFill/>
                 </a:ln>
@@ -3552,7 +3552,55 @@
           <a:p>
             <a:pPr algn="ctr"/>
             <a:r>
-              <a:rPr lang="en-US" sz="3600">
+              <a:rPr lang="en-US">
+                <a:ln w="12700">
+                  <a:noFill/>
+                </a:ln>
+                <a:solidFill>
+                  <a:schemeClr val="accent1">
+                    <a:lumMod val="50000"/>
+                  </a:schemeClr>
+                </a:solidFill>
+                <a:latin typeface="Calisto MT" panose="02040603050505030304" pitchFamily="18" charset="0"/>
+              </a:rPr>
+              <a:t>Clinical Research Unit</a:t>
+            </a:r>
+          </a:p>
+          <a:p>
+            <a:pPr algn="ctr"/>
+            <a:r>
+              <a:rPr lang="en-US">
+                <a:ln w="12700">
+                  <a:noFill/>
+                </a:ln>
+                <a:solidFill>
+                  <a:schemeClr val="accent1">
+                    <a:lumMod val="50000"/>
+                  </a:schemeClr>
+                </a:solidFill>
+                <a:latin typeface="Calisto MT" panose="02040603050505030304" pitchFamily="18" charset="0"/>
+              </a:rPr>
+              <a:t>Children’s Hospital of Eastern Ontario Research Institute</a:t>
+            </a:r>
+          </a:p>
+          <a:p>
+            <a:pPr algn="ctr"/>
+            <a:endParaRPr lang="en-US" sz="800">
+              <a:ln w="12700">
+                <a:noFill/>
+              </a:ln>
+              <a:solidFill>
+                <a:schemeClr val="accent1">
+                  <a:lumMod val="50000"/>
+                </a:schemeClr>
+              </a:solidFill>
+              <a:latin typeface="Calisto MT" panose="02040603050505030304" pitchFamily="18" charset="0"/>
+            </a:endParaRPr>
+          </a:p>
+          <a:p>
+            <a:pPr algn="ctr"/>
+            <a:r>
+              <a:rPr lang="en-US" sz="2800">
                 <a:ln w="12700">
                   <a:noFill/>
                 </a:ln>
@@ -3565,7 +3613,7 @@
               </a:rPr>
               <a:t>R/Medicine 2022</a:t>
             </a:r>
-            <a:endParaRPr lang="en-CA" sz="3600">
+            <a:endParaRPr lang="en-CA" sz="2800">
               <a:ln w="12700">
                 <a:noFill/>
               </a:ln>
